--- a/CSFeatures/CS71.pptx
+++ b/CSFeatures/CS71.pptx
@@ -2700,7 +2700,7 @@
           <a:p>
             <a:fld id="{19846C5A-1DDF-42C4-9FB4-FFCE11C434AC}" type="datetimeFigureOut">
               <a:rPr lang="es-ES" smtClean="0"/>
-              <a:t>06/07/2020</a:t>
+              <a:t>09/07/2020</a:t>
             </a:fld>
             <a:endParaRPr lang="es-ES"/>
           </a:p>
@@ -3461,13 +3461,6 @@
               </a:rPr>
               <a:t>@juanluelguerre</a:t>
             </a:r>
-            <a:endParaRPr lang="es-ES" sz="1800" dirty="0">
-              <a:solidFill>
-                <a:schemeClr val="tx1"/>
-              </a:solidFill>
-              <a:latin typeface="Segoe UI Light" panose="020B0502040204020203" pitchFamily="34" charset="0"/>
-              <a:cs typeface="Segoe UI Light" panose="020B0502040204020203" pitchFamily="34" charset="0"/>
-            </a:endParaRPr>
           </a:p>
         </p:txBody>
       </p:sp>
@@ -3613,10 +3606,6 @@
               </a:rPr>
               <a:t>NEW FEATURES C#</a:t>
             </a:r>
-            <a:endParaRPr lang="es-ES" sz="4950" dirty="0">
-              <a:latin typeface="Segoe UI" panose="020B0502040204020203" pitchFamily="34" charset="0"/>
-              <a:cs typeface="Segoe UI" panose="020B0502040204020203" pitchFamily="34" charset="0"/>
-            </a:endParaRPr>
           </a:p>
         </p:txBody>
       </p:sp>
@@ -4161,6 +4150,90 @@
           </a:p>
         </p:txBody>
       </p:sp>
+      <p:sp>
+        <p:nvSpPr>
+          <p:cNvPr id="4" name="Rectangle 3"/>
+          <p:cNvSpPr/>
+          <p:nvPr/>
+        </p:nvSpPr>
+        <p:spPr>
+          <a:xfrm>
+            <a:off x="2962892" y="1502931"/>
+            <a:ext cx="5532179" cy="307777"/>
+          </a:xfrm>
+          <a:prstGeom prst="rect">
+            <a:avLst/>
+          </a:prstGeom>
+        </p:spPr>
+        <p:txBody>
+          <a:bodyPr wrap="square">
+            <a:spAutoFit/>
+          </a:bodyPr>
+          <a:lstStyle/>
+          <a:p>
+            <a:r>
+              <a:rPr lang="es-ES" dirty="0">
+                <a:hlinkClick r:id="rId4"/>
+              </a:rPr>
+              <a:t>https://github.com/juanluelguerre/Training/tree/master/CSFeatures</a:t>
+            </a:r>
+            <a:r>
+              <a:rPr lang="es-ES" dirty="0" smtClean="0">
+                <a:hlinkClick r:id="rId4"/>
+              </a:rPr>
+              <a:t>/</a:t>
+            </a:r>
+            <a:r>
+              <a:rPr lang="es-ES" dirty="0" smtClean="0"/>
+              <a:t> </a:t>
+            </a:r>
+            <a:endParaRPr lang="es-ES" dirty="0"/>
+          </a:p>
+        </p:txBody>
+      </p:sp>
+      <p:pic>
+        <p:nvPicPr>
+          <p:cNvPr id="5" name="Picture 2" descr="Resultado de imagen de github">
+            <a:hlinkClick r:id="rId4"/>
+          </p:cNvPr>
+          <p:cNvPicPr>
+            <a:picLocks noChangeAspect="1" noChangeArrowheads="1"/>
+          </p:cNvPicPr>
+          <p:nvPr/>
+        </p:nvPicPr>
+        <p:blipFill>
+          <a:blip r:embed="rId5" cstate="print">
+            <a:extLst>
+              <a:ext uri="{28A0092B-C50C-407E-A947-70E740481C1C}">
+                <a14:useLocalDpi xmlns:a14="http://schemas.microsoft.com/office/drawing/2010/main" val="0"/>
+              </a:ext>
+            </a:extLst>
+          </a:blip>
+          <a:srcRect/>
+          <a:stretch>
+            <a:fillRect/>
+          </a:stretch>
+        </p:blipFill>
+        <p:spPr bwMode="auto">
+          <a:xfrm>
+            <a:off x="5967935" y="776004"/>
+            <a:ext cx="2242330" cy="745575"/>
+          </a:xfrm>
+          <a:prstGeom prst="rect">
+            <a:avLst/>
+          </a:prstGeom>
+          <a:noFill/>
+          <a:extLst>
+            <a:ext uri="{909E8E84-426E-40DD-AFC4-6F175D3DCCD1}">
+              <a14:hiddenFill xmlns:a14="http://schemas.microsoft.com/office/drawing/2010/main">
+                <a:solidFill>
+                  <a:srgbClr val="FFFFFF"/>
+                </a:solidFill>
+              </a14:hiddenFill>
+            </a:ext>
+          </a:extLst>
+        </p:spPr>
+      </p:pic>
     </p:spTree>
     <p:extLst>
       <p:ext uri="{BB962C8B-B14F-4D97-AF65-F5344CB8AC3E}">
@@ -6860,11 +6933,7 @@
             </a:r>
             <a:r>
               <a:rPr lang="es-ES_tradnl" sz="1350" dirty="0" smtClean="0"/>
-              <a:t>…ro </a:t>
-            </a:r>
-            <a:r>
-              <a:rPr lang="es-ES_tradnl" sz="1350" dirty="0" smtClean="0"/>
-              <a:t>seguimos sin tener al compilador como un servicio</a:t>
+              <a:t>…ro seguimos sin tener al compilador como un servicio</a:t>
             </a:r>
             <a:endParaRPr lang="es-ES_tradnl" sz="1350" dirty="0"/>
           </a:p>
